--- a/3年後期/企画/ゲーム企画書4_提出 .pptx
+++ b/3年後期/企画/ゲーム企画書4_提出 .pptx
@@ -5,7 +5,7 @@
     <p:sldMasterId id="2147483659" r:id="rId1"/>
   </p:sldMasterIdLst>
   <p:notesMasterIdLst>
-    <p:notesMasterId r:id="rId15"/>
+    <p:notesMasterId r:id="rId14"/>
   </p:notesMasterIdLst>
   <p:sldIdLst>
     <p:sldId id="256" r:id="rId2"/>
@@ -18,9 +18,8 @@
     <p:sldId id="260" r:id="rId9"/>
     <p:sldId id="270" r:id="rId10"/>
     <p:sldId id="271" r:id="rId11"/>
-    <p:sldId id="272" r:id="rId12"/>
-    <p:sldId id="269" r:id="rId13"/>
-    <p:sldId id="261" r:id="rId14"/>
+    <p:sldId id="269" r:id="rId12"/>
+    <p:sldId id="261" r:id="rId13"/>
   </p:sldIdLst>
   <p:sldSz cx="12192000" cy="6858000"/>
   <p:notesSz cx="6858000" cy="9144000"/>
@@ -15381,170 +15380,6 @@
           <p:cNvPr id="2" name="タイトル 1">
             <a:extLst>
               <a:ext uri="{FF2B5EF4-FFF2-40B4-BE49-F238E27FC236}">
-                <a16:creationId xmlns:a16="http://schemas.microsoft.com/office/drawing/2014/main" id="{D7591246-8B37-42AF-BB81-A872CC7A8189}"/>
-              </a:ext>
-            </a:extLst>
-          </p:cNvPr>
-          <p:cNvSpPr>
-            <a:spLocks noGrp="1"/>
-          </p:cNvSpPr>
-          <p:nvPr>
-            <p:ph type="title"/>
-          </p:nvPr>
-        </p:nvSpPr>
-        <p:spPr/>
-        <p:txBody>
-          <a:bodyPr/>
-          <a:lstStyle/>
-          <a:p>
-            <a:r>
-              <a:rPr kumimoji="1" lang="ja-JP" altLang="en-US" dirty="0"/>
-              <a:t>メインギミックのセット案</a:t>
-            </a:r>
-          </a:p>
-        </p:txBody>
-      </p:sp>
-      <p:sp>
-        <p:nvSpPr>
-          <p:cNvPr id="3" name="テキスト プレースホルダー 2">
-            <a:extLst>
-              <a:ext uri="{FF2B5EF4-FFF2-40B4-BE49-F238E27FC236}">
-                <a16:creationId xmlns:a16="http://schemas.microsoft.com/office/drawing/2014/main" id="{0E90F33B-583E-4C82-B274-AF1B485E0EBA}"/>
-              </a:ext>
-            </a:extLst>
-          </p:cNvPr>
-          <p:cNvSpPr>
-            <a:spLocks noGrp="1"/>
-          </p:cNvSpPr>
-          <p:nvPr>
-            <p:ph type="body" idx="1"/>
-          </p:nvPr>
-        </p:nvSpPr>
-        <p:spPr>
-          <a:xfrm>
-            <a:off x="838200" y="1443070"/>
-            <a:ext cx="10515600" cy="4873754"/>
-          </a:xfrm>
-        </p:spPr>
-        <p:txBody>
-          <a:bodyPr>
-            <a:normAutofit/>
-          </a:bodyPr>
-          <a:lstStyle/>
-          <a:p>
-            <a:pPr marL="114300" indent="0">
-              <a:buNone/>
-            </a:pPr>
-            <a:r>
-              <a:rPr kumimoji="1" lang="ja-JP" altLang="en-US" sz="2000" dirty="0"/>
-              <a:t>・スイッチ＆動かせるブロック</a:t>
-            </a:r>
-            <a:endParaRPr kumimoji="1" lang="en-US" altLang="ja-JP" sz="2000" dirty="0"/>
-          </a:p>
-          <a:p>
-            <a:pPr marL="114300" indent="0">
-              <a:buNone/>
-            </a:pPr>
-            <a:r>
-              <a:rPr kumimoji="1" lang="ja-JP" altLang="en-US" sz="2000" dirty="0"/>
-              <a:t>・壊せる岩＆爆弾岩</a:t>
-            </a:r>
-            <a:endParaRPr kumimoji="1" lang="en-US" altLang="ja-JP" sz="2000" dirty="0"/>
-          </a:p>
-          <a:p>
-            <a:pPr marL="114300" indent="0">
-              <a:buNone/>
-            </a:pPr>
-            <a:r>
-              <a:rPr kumimoji="1" lang="ja-JP" altLang="en-US" sz="2000" dirty="0"/>
-              <a:t>・反発と引き寄せ</a:t>
-            </a:r>
-            <a:r>
-              <a:rPr kumimoji="1" lang="en-US" altLang="ja-JP" sz="2000" dirty="0"/>
-              <a:t>(</a:t>
-            </a:r>
-            <a:r>
-              <a:rPr kumimoji="1" lang="ja-JP" altLang="en-US" sz="2000" dirty="0"/>
-              <a:t>磁石</a:t>
-            </a:r>
-            <a:r>
-              <a:rPr kumimoji="1" lang="en-US" altLang="ja-JP" sz="2000" dirty="0"/>
-              <a:t>)</a:t>
-            </a:r>
-          </a:p>
-          <a:p>
-            <a:pPr marL="114300" indent="0">
-              <a:buNone/>
-            </a:pPr>
-            <a:r>
-              <a:rPr kumimoji="1" lang="ja-JP" altLang="en-US" sz="2000" dirty="0"/>
-              <a:t>・重力</a:t>
-            </a:r>
-            <a:r>
-              <a:rPr kumimoji="1" lang="en-US" altLang="ja-JP" sz="2000" dirty="0"/>
-              <a:t>	</a:t>
-            </a:r>
-          </a:p>
-          <a:p>
-            <a:pPr marL="114300" indent="0">
-              <a:buNone/>
-            </a:pPr>
-            <a:r>
-              <a:rPr kumimoji="1" lang="ja-JP" altLang="en-US" sz="2000" dirty="0"/>
-              <a:t>・凍結</a:t>
-            </a:r>
-            <a:r>
-              <a:rPr kumimoji="1" lang="en-US" altLang="ja-JP" sz="2000" dirty="0"/>
-              <a:t>	</a:t>
-            </a:r>
-          </a:p>
-          <a:p>
-            <a:pPr marL="114300" indent="0">
-              <a:buNone/>
-            </a:pPr>
-            <a:r>
-              <a:rPr kumimoji="1" lang="ja-JP" altLang="en-US" sz="2000" dirty="0"/>
-              <a:t>・溶解</a:t>
-            </a:r>
-            <a:endParaRPr kumimoji="1" lang="en-US" altLang="ja-JP" sz="2000" dirty="0"/>
-          </a:p>
-        </p:txBody>
-      </p:sp>
-    </p:spTree>
-    <p:extLst>
-      <p:ext uri="{BB962C8B-B14F-4D97-AF65-F5344CB8AC3E}">
-        <p14:creationId xmlns:p14="http://schemas.microsoft.com/office/powerpoint/2010/main" val="3941269756"/>
-      </p:ext>
-    </p:extLst>
-  </p:cSld>
-  <p:clrMapOvr>
-    <a:masterClrMapping/>
-  </p:clrMapOvr>
-</p:sld>
-</file>
-
-<file path=ppt/slides/slide12.xml><?xml version="1.0" encoding="utf-8"?>
-<p:sld xmlns:a="http://schemas.openxmlformats.org/drawingml/2006/main" xmlns:r="http://schemas.openxmlformats.org/officeDocument/2006/relationships" xmlns:p="http://schemas.openxmlformats.org/presentationml/2006/main">
-  <p:cSld>
-    <p:spTree>
-      <p:nvGrpSpPr>
-        <p:cNvPr id="1" name=""/>
-        <p:cNvGrpSpPr/>
-        <p:nvPr/>
-      </p:nvGrpSpPr>
-      <p:grpSpPr>
-        <a:xfrm>
-          <a:off x="0" y="0"/>
-          <a:ext cx="0" cy="0"/>
-          <a:chOff x="0" y="0"/>
-          <a:chExt cx="0" cy="0"/>
-        </a:xfrm>
-      </p:grpSpPr>
-      <p:sp>
-        <p:nvSpPr>
-          <p:cNvPr id="2" name="タイトル 1">
-            <a:extLst>
-              <a:ext uri="{FF2B5EF4-FFF2-40B4-BE49-F238E27FC236}">
                 <a16:creationId xmlns:a16="http://schemas.microsoft.com/office/drawing/2014/main" id="{58EB056B-CBE8-42A8-B68E-23B4FFC833FD}"/>
               </a:ext>
             </a:extLst>
@@ -15563,7 +15398,7 @@
           <a:p>
             <a:r>
               <a:rPr kumimoji="1" lang="ja-JP" altLang="en-US" dirty="0"/>
-              <a:t>ギミック案</a:t>
+              <a:t>メインギミック案</a:t>
             </a:r>
           </a:p>
         </p:txBody>
@@ -15680,7 +15515,7 @@
 </p:sld>
 </file>
 
-<file path=ppt/slides/slide13.xml><?xml version="1.0" encoding="utf-8"?>
+<file path=ppt/slides/slide12.xml><?xml version="1.0" encoding="utf-8"?>
 <p:sld xmlns:a="http://schemas.openxmlformats.org/drawingml/2006/main" xmlns:r="http://schemas.openxmlformats.org/officeDocument/2006/relationships" xmlns:p="http://schemas.openxmlformats.org/presentationml/2006/main">
   <p:cSld>
     <p:spTree>

--- a/3年後期/企画/ゲーム企画書4_提出 .pptx
+++ b/3年後期/企画/ゲーム企画書4_提出 .pptx
@@ -15486,9 +15486,20 @@
             </a:pPr>
             <a:r>
               <a:rPr kumimoji="1" lang="ja-JP" altLang="en-US" dirty="0"/>
-              <a:t>など</a:t>
+              <a:t>・隣の部屋と同じ状態にすると扉が開く。</a:t>
             </a:r>
-            <a:endParaRPr kumimoji="1" lang="en-US" altLang="ja-JP" dirty="0"/>
+            <a:r>
+              <a:rPr kumimoji="1" lang="en-US" altLang="ja-JP" dirty="0"/>
+              <a:t>(</a:t>
+            </a:r>
+            <a:r>
+              <a:rPr kumimoji="1" lang="ja-JP" altLang="en-US" dirty="0"/>
+              <a:t>鏡合わせ</a:t>
+            </a:r>
+            <a:r>
+              <a:rPr kumimoji="1" lang="en-US" altLang="ja-JP" dirty="0"/>
+              <a:t>)</a:t>
+            </a:r>
           </a:p>
           <a:p>
             <a:pPr marL="114300" indent="0">
@@ -15496,7 +15507,7 @@
             </a:pPr>
             <a:r>
               <a:rPr kumimoji="1" lang="ja-JP" altLang="en-US" dirty="0"/>
-              <a:t>・重力の反転</a:t>
+              <a:t>・重力の反転など</a:t>
             </a:r>
             <a:endParaRPr kumimoji="1" lang="en-US" altLang="ja-JP" dirty="0"/>
           </a:p>

--- a/3年後期/企画/ゲーム企画書4_提出 .pptx
+++ b/3年後期/企画/ゲーム企画書4_提出 .pptx
@@ -15476,7 +15476,7 @@
             </a:pPr>
             <a:r>
               <a:rPr kumimoji="1" lang="ja-JP" altLang="en-US" dirty="0"/>
-              <a:t>・エリアに入ると通路が塞がれ敵を全滅させると開くエリア</a:t>
+              <a:t>・エリアに入ると通路が塞がれ敵を全滅させると開く扉。</a:t>
             </a:r>
             <a:endParaRPr kumimoji="1" lang="en-US" altLang="ja-JP" dirty="0"/>
           </a:p>
